--- a/sessions_in_Abu_Dhabi/session_10.pptx
+++ b/sessions_in_Abu_Dhabi/session_10.pptx
@@ -30,12 +30,6 @@
     <p:sldId id="278" r:id="rId24"/>
     <p:sldId id="279" r:id="rId25"/>
     <p:sldId id="280" r:id="rId26"/>
-    <p:sldId id="281" r:id="rId27"/>
-    <p:sldId id="282" r:id="rId28"/>
-    <p:sldId id="283" r:id="rId29"/>
-    <p:sldId id="284" r:id="rId30"/>
-    <p:sldId id="285" r:id="rId31"/>
-    <p:sldId id="286" r:id="rId32"/>
   </p:sldIdLst>
   <p:sldSz cx="9144000" cy="5143500" type="screen16x9"/>
   <p:notesSz cx="6858000" cy="9144000"/>
@@ -12793,1737 +12787,6 @@
 </p:sld>
 </file>
 
-<file path=ppt/slides/slide26.xml><?xml version="1.0" encoding="utf-8"?>
-<p:sld xmlns:a="http://schemas.openxmlformats.org/drawingml/2006/main" xmlns:r="http://schemas.openxmlformats.org/officeDocument/2006/relationships" xmlns:p="http://schemas.openxmlformats.org/presentationml/2006/main">
-  <p:cSld>
-    <p:spTree>
-      <p:nvGrpSpPr>
-        <p:cNvPr id="1" name=""/>
-        <p:cNvGrpSpPr/>
-        <p:nvPr/>
-      </p:nvGrpSpPr>
-      <p:grpSpPr>
-        <a:xfrm>
-          <a:off x="0" y="0"/>
-          <a:ext cx="0" cy="0"/>
-          <a:chOff x="0" y="0"/>
-          <a:chExt cx="0" cy="0"/>
-        </a:xfrm>
-      </p:grpSpPr>
-      <p:sp>
-        <p:nvSpPr>
-          <p:cNvPr id="2" name="Title 1"/>
-          <p:cNvSpPr>
-            <a:spLocks noGrp="1"/>
-          </p:cNvSpPr>
-          <p:nvPr>
-            <p:ph type="title"/>
-          </p:nvPr>
-        </p:nvSpPr>
-        <p:spPr/>
-        <p:txBody>
-          <a:bodyPr/>
-          <a:lstStyle/>
-          <a:p>
-            <a:pPr lvl="0" indent="0" marL="0">
-              <a:buNone/>
-            </a:pPr>
-            <a:r>
-              <a:rPr/>
-              <a:t>Comparative Results Across Methods</a:t>
-            </a:r>
-          </a:p>
-        </p:txBody>
-      </p:sp>
-      <p:pic>
-        <p:nvPicPr>
-          <p:cNvPr descr="session_10_files/figure-pptx/unnamed-chunk-12-1.png" id="0" name="Picture 1"/>
-          <p:cNvPicPr>
-            <a:picLocks noGrp="1" noChangeAspect="1"/>
-          </p:cNvPicPr>
-          <p:nvPr/>
-        </p:nvPicPr>
-        <p:blipFill>
-          <a:blip r:embed="rId2"/>
-          <a:stretch>
-            <a:fillRect/>
-          </a:stretch>
-        </p:blipFill>
-        <p:spPr bwMode="auto">
-          <a:xfrm>
-            <a:off x="457200" y="1244600"/>
-            <a:ext cx="8229600" cy="3289300"/>
-          </a:xfrm>
-          <a:prstGeom prst="rect">
-            <a:avLst/>
-          </a:prstGeom>
-          <a:noFill/>
-          <a:ln w="9525">
-            <a:noFill/>
-            <a:headEnd/>
-            <a:tailEnd/>
-          </a:ln>
-        </p:spPr>
-      </p:pic>
-    </p:spTree>
-  </p:cSld>
-</p:sld>
-</file>
-
-<file path=ppt/slides/slide27.xml><?xml version="1.0" encoding="utf-8"?>
-<p:sld xmlns:a="http://schemas.openxmlformats.org/drawingml/2006/main" xmlns:r="http://schemas.openxmlformats.org/officeDocument/2006/relationships" xmlns:p="http://schemas.openxmlformats.org/presentationml/2006/main">
-  <p:cSld>
-    <p:spTree>
-      <p:nvGrpSpPr>
-        <p:cNvPr id="1" name=""/>
-        <p:cNvGrpSpPr/>
-        <p:nvPr/>
-      </p:nvGrpSpPr>
-      <p:grpSpPr>
-        <a:xfrm>
-          <a:off x="0" y="0"/>
-          <a:ext cx="0" cy="0"/>
-          <a:chOff x="0" y="0"/>
-          <a:chExt cx="0" cy="0"/>
-        </a:xfrm>
-      </p:grpSpPr>
-      <p:sp>
-        <p:nvSpPr>
-          <p:cNvPr id="2" name="Title 1"/>
-          <p:cNvSpPr>
-            <a:spLocks noGrp="1"/>
-          </p:cNvSpPr>
-          <p:nvPr>
-            <p:ph type="title"/>
-          </p:nvPr>
-        </p:nvSpPr>
-        <p:spPr/>
-        <p:txBody>
-          <a:bodyPr/>
-          <a:lstStyle/>
-          <a:p>
-            <a:pPr lvl="0" indent="0" marL="0">
-              <a:buNone/>
-            </a:pPr>
-            <a:r>
-              <a:rPr/>
-              <a:t>Final Policy Recommendation</a:t>
-            </a:r>
-          </a:p>
-        </p:txBody>
-      </p:sp>
-      <p:sp>
-        <p:nvSpPr>
-          <p:cNvPr id="3" name="Content Placeholder 2"/>
-          <p:cNvSpPr>
-            <a:spLocks noGrp="1"/>
-          </p:cNvSpPr>
-          <p:nvPr>
-            <p:ph idx="1"/>
-          </p:nvPr>
-        </p:nvSpPr>
-        <p:spPr/>
-        <p:txBody>
-          <a:bodyPr/>
-          <a:lstStyle/>
-          <a:p>
-            <a:pPr lvl="0"/>
-            <a:r>
-              <a:rPr/>
-              <a:t>Methods produce consistent results in the range of -$8.16 to -$10.14</a:t>
-            </a:r>
-          </a:p>
-          <a:p>
-            <a:pPr lvl="0"/>
-            <a:r>
-              <a:rPr/>
-              <a:t>Randomized assignment (gold standard): -$10.14</a:t>
-            </a:r>
-          </a:p>
-          <a:p>
-            <a:pPr lvl="0"/>
-            <a:r>
-              <a:rPr/>
-              <a:t>Most quasi-experimental methods: Effect slightly below $10</a:t>
-            </a:r>
-          </a:p>
-          <a:p>
-            <a:pPr lvl="0"/>
-            <a:r>
-              <a:rPr/>
-              <a:t>Given uncertainty in estimates and consistency in direction, HISP shows promising results</a:t>
-            </a:r>
-          </a:p>
-          <a:p>
-            <a:pPr lvl="0" indent="0" marL="0">
-              <a:buNone/>
-            </a:pPr>
-            <a:r>
-              <a:rPr b="1"/>
-              <a:t>RECOMMENDATION</a:t>
-            </a:r>
-            <a:r>
-              <a:rPr/>
-              <a:t>: The preponderance of evidence suggests HISP reduces health expenditures by approximately $10, which meets the threshold criterion. Given the consistency across methods and the gold-standard randomized result, HISP should be scaled up nationally.</a:t>
-            </a:r>
-          </a:p>
-        </p:txBody>
-      </p:sp>
-    </p:spTree>
-  </p:cSld>
-  <p:timing>
-    <p:tnLst>
-      <p:par>
-        <p:cTn id="1" dur="indefinite" restart="never" nodeType="tmRoot">
-          <p:childTnLst>
-            <p:seq concurrent="1" nextAc="seek">
-              <p:cTn id="2" dur="indefinite" nodeType="mainSeq">
-                <p:childTnLst>
-                  <p:par>
-                    <p:cTn id="3" fill="hold">
-                      <p:stCondLst>
-                        <p:cond delay="indefinite"/>
-                      </p:stCondLst>
-                      <p:childTnLst>
-                        <p:par>
-                          <p:cTn id="4" fill="hold">
-                            <p:stCondLst>
-                              <p:cond delay="0"/>
-                            </p:stCondLst>
-                            <p:childTnLst>
-                              <p:par>
-                                <p:cTn id="5" presetID="1" presetClass="entr" presetSubtype="0" fill="hold" grpId="0" nodeType="clickEffect">
-                                  <p:stCondLst>
-                                    <p:cond delay="0"/>
-                                  </p:stCondLst>
-                                  <p:childTnLst>
-                                    <p:set>
-                                      <p:cBhvr>
-                                        <p:cTn id="6" dur="1" fill="hold">
-                                          <p:stCondLst>
-                                            <p:cond delay="0"/>
-                                          </p:stCondLst>
-                                        </p:cTn>
-                                        <p:tgtEl>
-                                          <p:spTgt spid="3">
-                                            <p:txEl>
-                                              <p:pRg st="0" end="0"/>
-                                            </p:txEl>
-                                          </p:spTgt>
-                                        </p:tgtEl>
-                                        <p:attrNameLst>
-                                          <p:attrName>style.visibility</p:attrName>
-                                        </p:attrNameLst>
-                                      </p:cBhvr>
-                                      <p:to>
-                                        <p:strVal val="visible"/>
-                                      </p:to>
-                                    </p:set>
-                                  </p:childTnLst>
-                                </p:cTn>
-                              </p:par>
-                            </p:childTnLst>
-                          </p:cTn>
-                        </p:par>
-                      </p:childTnLst>
-                    </p:cTn>
-                  </p:par>
-                  <p:par>
-                    <p:cTn id="7" fill="hold">
-                      <p:stCondLst>
-                        <p:cond delay="indefinite"/>
-                      </p:stCondLst>
-                      <p:childTnLst>
-                        <p:par>
-                          <p:cTn id="8" fill="hold">
-                            <p:stCondLst>
-                              <p:cond delay="0"/>
-                            </p:stCondLst>
-                            <p:childTnLst>
-                              <p:par>
-                                <p:cTn id="9" presetID="1" presetClass="entr" presetSubtype="0" fill="hold" grpId="0" nodeType="clickEffect">
-                                  <p:stCondLst>
-                                    <p:cond delay="0"/>
-                                  </p:stCondLst>
-                                  <p:childTnLst>
-                                    <p:set>
-                                      <p:cBhvr>
-                                        <p:cTn id="10" dur="1" fill="hold">
-                                          <p:stCondLst>
-                                            <p:cond delay="0"/>
-                                          </p:stCondLst>
-                                        </p:cTn>
-                                        <p:tgtEl>
-                                          <p:spTgt spid="3">
-                                            <p:txEl>
-                                              <p:pRg st="1" end="1"/>
-                                            </p:txEl>
-                                          </p:spTgt>
-                                        </p:tgtEl>
-                                        <p:attrNameLst>
-                                          <p:attrName>style.visibility</p:attrName>
-                                        </p:attrNameLst>
-                                      </p:cBhvr>
-                                      <p:to>
-                                        <p:strVal val="visible"/>
-                                      </p:to>
-                                    </p:set>
-                                  </p:childTnLst>
-                                </p:cTn>
-                              </p:par>
-                            </p:childTnLst>
-                          </p:cTn>
-                        </p:par>
-                      </p:childTnLst>
-                    </p:cTn>
-                  </p:par>
-                  <p:par>
-                    <p:cTn id="11" fill="hold">
-                      <p:stCondLst>
-                        <p:cond delay="indefinite"/>
-                      </p:stCondLst>
-                      <p:childTnLst>
-                        <p:par>
-                          <p:cTn id="12" fill="hold">
-                            <p:stCondLst>
-                              <p:cond delay="0"/>
-                            </p:stCondLst>
-                            <p:childTnLst>
-                              <p:par>
-                                <p:cTn id="13" presetID="1" presetClass="entr" presetSubtype="0" fill="hold" grpId="0" nodeType="clickEffect">
-                                  <p:stCondLst>
-                                    <p:cond delay="0"/>
-                                  </p:stCondLst>
-                                  <p:childTnLst>
-                                    <p:set>
-                                      <p:cBhvr>
-                                        <p:cTn id="14" dur="1" fill="hold">
-                                          <p:stCondLst>
-                                            <p:cond delay="0"/>
-                                          </p:stCondLst>
-                                        </p:cTn>
-                                        <p:tgtEl>
-                                          <p:spTgt spid="3">
-                                            <p:txEl>
-                                              <p:pRg st="2" end="2"/>
-                                            </p:txEl>
-                                          </p:spTgt>
-                                        </p:tgtEl>
-                                        <p:attrNameLst>
-                                          <p:attrName>style.visibility</p:attrName>
-                                        </p:attrNameLst>
-                                      </p:cBhvr>
-                                      <p:to>
-                                        <p:strVal val="visible"/>
-                                      </p:to>
-                                    </p:set>
-                                  </p:childTnLst>
-                                </p:cTn>
-                              </p:par>
-                            </p:childTnLst>
-                          </p:cTn>
-                        </p:par>
-                      </p:childTnLst>
-                    </p:cTn>
-                  </p:par>
-                  <p:par>
-                    <p:cTn id="15" fill="hold">
-                      <p:stCondLst>
-                        <p:cond delay="indefinite"/>
-                      </p:stCondLst>
-                      <p:childTnLst>
-                        <p:par>
-                          <p:cTn id="16" fill="hold">
-                            <p:stCondLst>
-                              <p:cond delay="0"/>
-                            </p:stCondLst>
-                            <p:childTnLst>
-                              <p:par>
-                                <p:cTn id="17" presetID="1" presetClass="entr" presetSubtype="0" fill="hold" grpId="0" nodeType="clickEffect">
-                                  <p:stCondLst>
-                                    <p:cond delay="0"/>
-                                  </p:stCondLst>
-                                  <p:childTnLst>
-                                    <p:set>
-                                      <p:cBhvr>
-                                        <p:cTn id="18" dur="1" fill="hold">
-                                          <p:stCondLst>
-                                            <p:cond delay="0"/>
-                                          </p:stCondLst>
-                                        </p:cTn>
-                                        <p:tgtEl>
-                                          <p:spTgt spid="3">
-                                            <p:txEl>
-                                              <p:pRg st="3" end="3"/>
-                                            </p:txEl>
-                                          </p:spTgt>
-                                        </p:tgtEl>
-                                        <p:attrNameLst>
-                                          <p:attrName>style.visibility</p:attrName>
-                                        </p:attrNameLst>
-                                      </p:cBhvr>
-                                      <p:to>
-                                        <p:strVal val="visible"/>
-                                      </p:to>
-                                    </p:set>
-                                  </p:childTnLst>
-                                </p:cTn>
-                              </p:par>
-                            </p:childTnLst>
-                          </p:cTn>
-                        </p:par>
-                      </p:childTnLst>
-                    </p:cTn>
-                  </p:par>
-                </p:childTnLst>
-              </p:cTn>
-              <p:prevCondLst>
-                <p:cond evt="onPrev" delay="0">
-                  <p:tgtEl>
-                    <p:sldTgt/>
-                  </p:tgtEl>
-                </p:cond>
-              </p:prevCondLst>
-              <p:nextCondLst>
-                <p:cond evt="onNext" delay="0">
-                  <p:tgtEl>
-                    <p:sldTgt/>
-                  </p:tgtEl>
-                </p:cond>
-              </p:nextCondLst>
-            </p:seq>
-          </p:childTnLst>
-        </p:cTn>
-      </p:par>
-    </p:tnLst>
-    <p:bldLst>
-      <p:bldP spid="3" grpId="0" uiExpand="1" build="p"/>
-    </p:bldLst>
-  </p:timing>
-</p:sld>
-</file>
-
-<file path=ppt/slides/slide28.xml><?xml version="1.0" encoding="utf-8"?>
-<p:sld xmlns:a="http://schemas.openxmlformats.org/drawingml/2006/main" xmlns:r="http://schemas.openxmlformats.org/officeDocument/2006/relationships" xmlns:p="http://schemas.openxmlformats.org/presentationml/2006/main">
-  <p:cSld>
-    <p:spTree>
-      <p:nvGrpSpPr>
-        <p:cNvPr id="1" name=""/>
-        <p:cNvGrpSpPr/>
-        <p:nvPr/>
-      </p:nvGrpSpPr>
-      <p:grpSpPr>
-        <a:xfrm>
-          <a:off x="0" y="0"/>
-          <a:ext cx="0" cy="0"/>
-          <a:chOff x="0" y="0"/>
-          <a:chExt cx="0" cy="0"/>
-        </a:xfrm>
-      </p:grpSpPr>
-      <p:sp>
-        <p:nvSpPr>
-          <p:cNvPr id="2" name="Title 1"/>
-          <p:cNvSpPr>
-            <a:spLocks noGrp="1"/>
-          </p:cNvSpPr>
-          <p:nvPr>
-            <p:ph type="title"/>
-          </p:nvPr>
-        </p:nvSpPr>
-        <p:spPr/>
-        <p:txBody>
-          <a:bodyPr/>
-          <a:lstStyle/>
-          <a:p>
-            <a:pPr lvl="0" indent="0" marL="0">
-              <a:buNone/>
-            </a:pPr>
-            <a:r>
-              <a:rPr/>
-              <a:t>Conclusion: Choosing the Right Method</a:t>
-            </a:r>
-          </a:p>
-        </p:txBody>
-      </p:sp>
-      <p:graphicFrame>
-        <p:nvGraphicFramePr>
-          <p:cNvPr id="6" name="Content Placeholder 5"/>
-          <p:cNvGraphicFramePr>
-            <a:graphicFrameLocks noGrp="1"/>
-          </p:cNvGraphicFramePr>
-          <p:nvPr>
-            <p:ph idx="1"/>
-          </p:nvPr>
-        </p:nvGraphicFramePr>
-        <p:xfrm>
-          <a:off x="457200" y="1193800"/>
-          <a:ext cx="8229600" cy="3390900"/>
-        </p:xfrm>
-        <a:graphic>
-          <a:graphicData uri="http://schemas.openxmlformats.org/drawingml/2006/table">
-            <a:tbl>
-              <a:tblPr firstRow="1" bandRow="1">
-                <a:tableStyleId>{5C22544A-7EE6-4342-B048-85BDC9FD1C3A}</a:tableStyleId>
-              </a:tblPr>
-              <a:tblGrid>
-                <a:gridCol w="1638300"/>
-                <a:gridCol w="1638300"/>
-                <a:gridCol w="1638300"/>
-                <a:gridCol w="1638300"/>
-                <a:gridCol w="1638300"/>
-              </a:tblGrid>
-              <a:tr h="0">
-                <a:tc>
-                  <a:txBody>
-                    <a:bodyPr/>
-                    <a:lstStyle/>
-                    <a:p>
-                      <a:pPr lvl="0" indent="0" marL="0">
-                        <a:buNone/>
-                      </a:pPr>
-                      <a:r>
-                        <a:rPr/>
-                        <a:t>Method</a:t>
-                      </a:r>
-                    </a:p>
-                  </a:txBody>
-                  <a:tcPr/>
-                </a:tc>
-                <a:tc>
-                  <a:txBody>
-                    <a:bodyPr/>
-                    <a:lstStyle/>
-                    <a:p>
-                      <a:pPr lvl="0" indent="0" marL="0">
-                        <a:buNone/>
-                      </a:pPr>
-                      <a:r>
-                        <a:rPr/>
-                        <a:t>When to Use</a:t>
-                      </a:r>
-                    </a:p>
-                  </a:txBody>
-                  <a:tcPr/>
-                </a:tc>
-                <a:tc>
-                  <a:txBody>
-                    <a:bodyPr/>
-                    <a:lstStyle/>
-                    <a:p>
-                      <a:pPr lvl="0" indent="0" marL="0">
-                        <a:buNone/>
-                      </a:pPr>
-                      <a:r>
-                        <a:rPr/>
-                        <a:t>Key Assumption</a:t>
-                      </a:r>
-                    </a:p>
-                  </a:txBody>
-                  <a:tcPr/>
-                </a:tc>
-                <a:tc>
-                  <a:txBody>
-                    <a:bodyPr/>
-                    <a:lstStyle/>
-                    <a:p>
-                      <a:pPr lvl="0" indent="0" marL="0">
-                        <a:buNone/>
-                      </a:pPr>
-                      <a:r>
-                        <a:rPr/>
-                        <a:t>Strengths</a:t>
-                      </a:r>
-                    </a:p>
-                  </a:txBody>
-                  <a:tcPr/>
-                </a:tc>
-                <a:tc>
-                  <a:txBody>
-                    <a:bodyPr/>
-                    <a:lstStyle/>
-                    <a:p>
-                      <a:pPr lvl="0" indent="0" marL="0">
-                        <a:buNone/>
-                      </a:pPr>
-                      <a:r>
-                        <a:rPr/>
-                        <a:t>Limitations</a:t>
-                      </a:r>
-                    </a:p>
-                  </a:txBody>
-                  <a:tcPr/>
-                </a:tc>
-              </a:tr>
-              <a:tr h="0">
-                <a:tc>
-                  <a:txBody>
-                    <a:bodyPr/>
-                    <a:lstStyle/>
-                    <a:p>
-                      <a:pPr lvl="0" indent="0" marL="0">
-                        <a:buNone/>
-                      </a:pPr>
-                      <a:r>
-                        <a:rPr b="1"/>
-                        <a:t>Randomized</a:t>
-                      </a:r>
-                    </a:p>
-                  </a:txBody>
-                </a:tc>
-                <a:tc>
-                  <a:txBody>
-                    <a:bodyPr/>
-                    <a:lstStyle/>
-                    <a:p>
-                      <a:pPr lvl="0" indent="0" marL="0">
-                        <a:buNone/>
-                      </a:pPr>
-                      <a:r>
-                        <a:rPr/>
-                        <a:t>Feasible to randomize</a:t>
-                      </a:r>
-                    </a:p>
-                  </a:txBody>
-                </a:tc>
-                <a:tc>
-                  <a:txBody>
-                    <a:bodyPr/>
-                    <a:lstStyle/>
-                    <a:p>
-                      <a:pPr lvl="0" indent="0" marL="0">
-                        <a:buNone/>
-                      </a:pPr>
-                      <a:r>
-                        <a:rPr/>
-                        <a:t>Random assignment</a:t>
-                      </a:r>
-                    </a:p>
-                  </a:txBody>
-                </a:tc>
-                <a:tc>
-                  <a:txBody>
-                    <a:bodyPr/>
-                    <a:lstStyle/>
-                    <a:p>
-                      <a:pPr lvl="0" indent="0" marL="0">
-                        <a:buNone/>
-                      </a:pPr>
-                      <a:r>
-                        <a:rPr/>
-                        <a:t>Gold standard; controls for all confounders</a:t>
-                      </a:r>
-                    </a:p>
-                  </a:txBody>
-                </a:tc>
-                <a:tc>
-                  <a:txBody>
-                    <a:bodyPr/>
-                    <a:lstStyle/>
-                    <a:p>
-                      <a:pPr lvl="0" indent="0" marL="0">
-                        <a:buNone/>
-                      </a:pPr>
-                      <a:r>
-                        <a:rPr/>
-                        <a:t>Implementation challenges; external validity</a:t>
-                      </a:r>
-                    </a:p>
-                  </a:txBody>
-                </a:tc>
-              </a:tr>
-              <a:tr h="0">
-                <a:tc>
-                  <a:txBody>
-                    <a:bodyPr/>
-                    <a:lstStyle/>
-                    <a:p>
-                      <a:pPr lvl="0" indent="0" marL="0">
-                        <a:buNone/>
-                      </a:pPr>
-                      <a:r>
-                        <a:rPr b="1"/>
-                        <a:t>IV</a:t>
-                      </a:r>
-                    </a:p>
-                  </a:txBody>
-                </a:tc>
-                <a:tc>
-                  <a:txBody>
-                    <a:bodyPr/>
-                    <a:lstStyle/>
-                    <a:p>
-                      <a:pPr lvl="0" indent="0" marL="0">
-                        <a:buNone/>
-                      </a:pPr>
-                      <a:r>
-                        <a:rPr/>
-                        <a:t>Imperfect compliance; valid instrument exists</a:t>
-                      </a:r>
-                    </a:p>
-                  </a:txBody>
-                </a:tc>
-                <a:tc>
-                  <a:txBody>
-                    <a:bodyPr/>
-                    <a:lstStyle/>
-                    <a:p>
-                      <a:pPr lvl="0" indent="0" marL="0">
-                        <a:buNone/>
-                      </a:pPr>
-                      <a:r>
-                        <a:rPr/>
-                        <a:t>Exclusion restriction</a:t>
-                      </a:r>
-                    </a:p>
-                  </a:txBody>
-                </a:tc>
-                <a:tc>
-                  <a:txBody>
-                    <a:bodyPr/>
-                    <a:lstStyle/>
-                    <a:p>
-                      <a:pPr lvl="0" indent="0" marL="0">
-                        <a:buNone/>
-                      </a:pPr>
-                      <a:r>
-                        <a:rPr/>
-                        <a:t>Addresses selection; natural experiments</a:t>
-                      </a:r>
-                    </a:p>
-                  </a:txBody>
-                </a:tc>
-                <a:tc>
-                  <a:txBody>
-                    <a:bodyPr/>
-                    <a:lstStyle/>
-                    <a:p>
-                      <a:pPr lvl="0" indent="0" marL="0">
-                        <a:buNone/>
-                      </a:pPr>
-                      <a:r>
-                        <a:rPr/>
-                        <a:t>Local effect; requires strong instrument</a:t>
-                      </a:r>
-                    </a:p>
-                  </a:txBody>
-                </a:tc>
-              </a:tr>
-              <a:tr h="0">
-                <a:tc>
-                  <a:txBody>
-                    <a:bodyPr/>
-                    <a:lstStyle/>
-                    <a:p>
-                      <a:pPr lvl="0" indent="0" marL="0">
-                        <a:buNone/>
-                      </a:pPr>
-                      <a:r>
-                        <a:rPr b="1"/>
-                        <a:t>RDD</a:t>
-                      </a:r>
-                    </a:p>
-                  </a:txBody>
-                </a:tc>
-                <a:tc>
-                  <a:txBody>
-                    <a:bodyPr/>
-                    <a:lstStyle/>
-                    <a:p>
-                      <a:pPr lvl="0" indent="0" marL="0">
-                        <a:buNone/>
-                      </a:pPr>
-                      <a:r>
-                        <a:rPr/>
-                        <a:t>Clear eligibility threshold</a:t>
-                      </a:r>
-                    </a:p>
-                  </a:txBody>
-                </a:tc>
-                <a:tc>
-                  <a:txBody>
-                    <a:bodyPr/>
-                    <a:lstStyle/>
-                    <a:p>
-                      <a:pPr lvl="0" indent="0" marL="0">
-                        <a:buNone/>
-                      </a:pPr>
-                      <a:r>
-                        <a:rPr/>
-                        <a:t>No manipulation of running variable</a:t>
-                      </a:r>
-                    </a:p>
-                  </a:txBody>
-                </a:tc>
-                <a:tc>
-                  <a:txBody>
-                    <a:bodyPr/>
-                    <a:lstStyle/>
-                    <a:p>
-                      <a:pPr lvl="0" indent="0" marL="0">
-                        <a:buNone/>
-                      </a:pPr>
-                      <a:r>
-                        <a:rPr/>
-                        <a:t>Credible quasi-experimental design</a:t>
-                      </a:r>
-                    </a:p>
-                  </a:txBody>
-                </a:tc>
-                <a:tc>
-                  <a:txBody>
-                    <a:bodyPr/>
-                    <a:lstStyle/>
-                    <a:p>
-                      <a:pPr lvl="0" indent="0" marL="0">
-                        <a:buNone/>
-                      </a:pPr>
-                      <a:r>
-                        <a:rPr/>
-                        <a:t>Local to threshold; requires threshold</a:t>
-                      </a:r>
-                    </a:p>
-                  </a:txBody>
-                </a:tc>
-              </a:tr>
-              <a:tr h="0">
-                <a:tc>
-                  <a:txBody>
-                    <a:bodyPr/>
-                    <a:lstStyle/>
-                    <a:p>
-                      <a:pPr lvl="0" indent="0" marL="0">
-                        <a:buNone/>
-                      </a:pPr>
-                      <a:r>
-                        <a:rPr b="1"/>
-                        <a:t>DiD</a:t>
-                      </a:r>
-                    </a:p>
-                  </a:txBody>
-                </a:tc>
-                <a:tc>
-                  <a:txBody>
-                    <a:bodyPr/>
-                    <a:lstStyle/>
-                    <a:p>
-                      <a:pPr lvl="0" indent="0" marL="0">
-                        <a:buNone/>
-                      </a:pPr>
-                      <a:r>
-                        <a:rPr/>
-                        <a:t>Panel data; non-random assignment</a:t>
-                      </a:r>
-                    </a:p>
-                  </a:txBody>
-                </a:tc>
-                <a:tc>
-                  <a:txBody>
-                    <a:bodyPr/>
-                    <a:lstStyle/>
-                    <a:p>
-                      <a:pPr lvl="0" indent="0" marL="0">
-                        <a:buNone/>
-                      </a:pPr>
-                      <a:r>
-                        <a:rPr/>
-                        <a:t>Parallel trends</a:t>
-                      </a:r>
-                    </a:p>
-                  </a:txBody>
-                </a:tc>
-                <a:tc>
-                  <a:txBody>
-                    <a:bodyPr/>
-                    <a:lstStyle/>
-                    <a:p>
-                      <a:pPr lvl="0" indent="0" marL="0">
-                        <a:buNone/>
-                      </a:pPr>
-                      <a:r>
-                        <a:rPr/>
-                        <a:t>Controls for fixed differences and time trends</a:t>
-                      </a:r>
-                    </a:p>
-                  </a:txBody>
-                </a:tc>
-                <a:tc>
-                  <a:txBody>
-                    <a:bodyPr/>
-                    <a:lstStyle/>
-                    <a:p>
-                      <a:pPr lvl="0" indent="0" marL="0">
-                        <a:buNone/>
-                      </a:pPr>
-                      <a:r>
-                        <a:rPr/>
-                        <a:t>Cannot address time-varying confounders</a:t>
-                      </a:r>
-                    </a:p>
-                  </a:txBody>
-                </a:tc>
-              </a:tr>
-              <a:tr h="0">
-                <a:tc>
-                  <a:txBody>
-                    <a:bodyPr/>
-                    <a:lstStyle/>
-                    <a:p>
-                      <a:pPr lvl="0" indent="0" marL="0">
-                        <a:buNone/>
-                      </a:pPr>
-                      <a:r>
-                        <a:rPr b="1"/>
-                        <a:t>Matching</a:t>
-                      </a:r>
-                    </a:p>
-                  </a:txBody>
-                </a:tc>
-                <a:tc>
-                  <a:txBody>
-                    <a:bodyPr/>
-                    <a:lstStyle/>
-                    <a:p>
-                      <a:pPr lvl="0" indent="0" marL="0">
-                        <a:buNone/>
-                      </a:pPr>
-                      <a:r>
-                        <a:rPr/>
-                        <a:t>Rich observational data</a:t>
-                      </a:r>
-                    </a:p>
-                  </a:txBody>
-                </a:tc>
-                <a:tc>
-                  <a:txBody>
-                    <a:bodyPr/>
-                    <a:lstStyle/>
-                    <a:p>
-                      <a:pPr lvl="0" indent="0" marL="0">
-                        <a:buNone/>
-                      </a:pPr>
-                      <a:r>
-                        <a:rPr/>
-                        <a:t>Selection on observables</a:t>
-                      </a:r>
-                    </a:p>
-                  </a:txBody>
-                </a:tc>
-                <a:tc>
-                  <a:txBody>
-                    <a:bodyPr/>
-                    <a:lstStyle/>
-                    <a:p>
-                      <a:pPr lvl="0" indent="0" marL="0">
-                        <a:buNone/>
-                      </a:pPr>
-                      <a:r>
-                        <a:rPr/>
-                        <a:t>Uses existing data; intuitive</a:t>
-                      </a:r>
-                    </a:p>
-                  </a:txBody>
-                </a:tc>
-                <a:tc>
-                  <a:txBody>
-                    <a:bodyPr/>
-                    <a:lstStyle/>
-                    <a:p>
-                      <a:pPr lvl="0" indent="0" marL="0">
-                        <a:buNone/>
-                      </a:pPr>
-                      <a:r>
-                        <a:rPr/>
-                        <a:t>Cannot address unobserved confounders</a:t>
-                      </a:r>
-                    </a:p>
-                  </a:txBody>
-                </a:tc>
-              </a:tr>
-            </a:tbl>
-          </a:graphicData>
-        </a:graphic>
-      </p:graphicFrame>
-    </p:spTree>
-  </p:cSld>
-</p:sld>
-</file>
-
-<file path=ppt/slides/slide29.xml><?xml version="1.0" encoding="utf-8"?>
-<p:sld xmlns:a="http://schemas.openxmlformats.org/drawingml/2006/main" xmlns:r="http://schemas.openxmlformats.org/officeDocument/2006/relationships" xmlns:p="http://schemas.openxmlformats.org/presentationml/2006/main">
-  <p:cSld>
-    <p:spTree>
-      <p:nvGrpSpPr>
-        <p:cNvPr id="1" name=""/>
-        <p:cNvGrpSpPr/>
-        <p:nvPr/>
-      </p:nvGrpSpPr>
-      <p:grpSpPr>
-        <a:xfrm>
-          <a:off x="0" y="0"/>
-          <a:ext cx="0" cy="0"/>
-          <a:chOff x="0" y="0"/>
-          <a:chExt cx="0" cy="0"/>
-        </a:xfrm>
-      </p:grpSpPr>
-      <p:sp>
-        <p:nvSpPr>
-          <p:cNvPr id="2" name="Title 1"/>
-          <p:cNvSpPr>
-            <a:spLocks noGrp="1"/>
-          </p:cNvSpPr>
-          <p:nvPr>
-            <p:ph type="title"/>
-          </p:nvPr>
-        </p:nvSpPr>
-        <p:spPr/>
-        <p:txBody>
-          <a:bodyPr/>
-          <a:lstStyle/>
-          <a:p>
-            <a:pPr lvl="0" indent="0" marL="0">
-              <a:buNone/>
-            </a:pPr>
-            <a:r>
-              <a:rPr/>
-              <a:t>Next Steps in Impact Evaluation</a:t>
-            </a:r>
-          </a:p>
-        </p:txBody>
-      </p:sp>
-      <p:sp>
-        <p:nvSpPr>
-          <p:cNvPr id="3" name="Content Placeholder 2"/>
-          <p:cNvSpPr>
-            <a:spLocks noGrp="1"/>
-          </p:cNvSpPr>
-          <p:nvPr>
-            <p:ph idx="1"/>
-          </p:nvPr>
-        </p:nvSpPr>
-        <p:spPr/>
-        <p:txBody>
-          <a:bodyPr/>
-          <a:lstStyle/>
-          <a:p>
-            <a:pPr lvl="0" indent="-342900" marL="342900">
-              <a:buAutoNum type="arabicPeriod"/>
-            </a:pPr>
-            <a:r>
-              <a:rPr b="1"/>
-              <a:t>Heterogeneity analysis</a:t>
-            </a:r>
-          </a:p>
-          <a:p>
-            <a:pPr lvl="1"/>
-            <a:r>
-              <a:rPr/>
-              <a:t>Does impact vary across subgroups?</a:t>
-            </a:r>
-          </a:p>
-          <a:p>
-            <a:pPr lvl="1"/>
-            <a:r>
-              <a:rPr/>
-              <a:t>Who benefits most from HISP?</a:t>
-            </a:r>
-          </a:p>
-          <a:p>
-            <a:pPr lvl="0" indent="-342900" marL="342900">
-              <a:buAutoNum type="arabicPeriod"/>
-            </a:pPr>
-            <a:r>
-              <a:rPr b="1"/>
-              <a:t>Cost-effectiveness analysis</a:t>
-            </a:r>
-          </a:p>
-          <a:p>
-            <a:pPr lvl="1"/>
-            <a:r>
-              <a:rPr/>
-              <a:t>Beyond impact, is HISP cost-effective?</a:t>
-            </a:r>
-          </a:p>
-          <a:p>
-            <a:pPr lvl="1"/>
-            <a:r>
-              <a:rPr/>
-              <a:t>How does it compare to alternative programs?</a:t>
-            </a:r>
-          </a:p>
-          <a:p>
-            <a:pPr lvl="0" indent="-342900" marL="342900">
-              <a:buAutoNum type="arabicPeriod"/>
-            </a:pPr>
-            <a:r>
-              <a:rPr b="1"/>
-              <a:t>Implementation research</a:t>
-            </a:r>
-          </a:p>
-          <a:p>
-            <a:pPr lvl="1"/>
-            <a:r>
-              <a:rPr/>
-              <a:t>What factors affect successful implementation?</a:t>
-            </a:r>
-          </a:p>
-          <a:p>
-            <a:pPr lvl="1"/>
-            <a:r>
-              <a:rPr/>
-              <a:t>How to optimize national scale-up?</a:t>
-            </a:r>
-          </a:p>
-          <a:p>
-            <a:pPr lvl="0" indent="-342900" marL="342900">
-              <a:buAutoNum type="arabicPeriod"/>
-            </a:pPr>
-            <a:r>
-              <a:rPr b="1"/>
-              <a:t>Long-term follow-up</a:t>
-            </a:r>
-          </a:p>
-          <a:p>
-            <a:pPr lvl="1"/>
-            <a:r>
-              <a:rPr/>
-              <a:t>Do impacts persist over time?</a:t>
-            </a:r>
-          </a:p>
-          <a:p>
-            <a:pPr lvl="1"/>
-            <a:r>
-              <a:rPr/>
-              <a:t>Are there additional benefits or unintended consequences?</a:t>
-            </a:r>
-          </a:p>
-        </p:txBody>
-      </p:sp>
-    </p:spTree>
-  </p:cSld>
-  <p:timing>
-    <p:tnLst>
-      <p:par>
-        <p:cTn id="1" dur="indefinite" restart="never" nodeType="tmRoot">
-          <p:childTnLst>
-            <p:seq concurrent="1" nextAc="seek">
-              <p:cTn id="2" dur="indefinite" nodeType="mainSeq">
-                <p:childTnLst>
-                  <p:par>
-                    <p:cTn id="3" fill="hold">
-                      <p:stCondLst>
-                        <p:cond delay="indefinite"/>
-                      </p:stCondLst>
-                      <p:childTnLst>
-                        <p:par>
-                          <p:cTn id="4" fill="hold">
-                            <p:stCondLst>
-                              <p:cond delay="0"/>
-                            </p:stCondLst>
-                            <p:childTnLst>
-                              <p:par>
-                                <p:cTn id="5" presetID="1" presetClass="entr" presetSubtype="0" fill="hold" grpId="0" nodeType="clickEffect">
-                                  <p:stCondLst>
-                                    <p:cond delay="0"/>
-                                  </p:stCondLst>
-                                  <p:childTnLst>
-                                    <p:set>
-                                      <p:cBhvr>
-                                        <p:cTn id="6" dur="1" fill="hold">
-                                          <p:stCondLst>
-                                            <p:cond delay="0"/>
-                                          </p:stCondLst>
-                                        </p:cTn>
-                                        <p:tgtEl>
-                                          <p:spTgt spid="3">
-                                            <p:txEl>
-                                              <p:pRg st="0" end="0"/>
-                                            </p:txEl>
-                                          </p:spTgt>
-                                        </p:tgtEl>
-                                        <p:attrNameLst>
-                                          <p:attrName>style.visibility</p:attrName>
-                                        </p:attrNameLst>
-                                      </p:cBhvr>
-                                      <p:to>
-                                        <p:strVal val="visible"/>
-                                      </p:to>
-                                    </p:set>
-                                  </p:childTnLst>
-                                </p:cTn>
-                              </p:par>
-                            </p:childTnLst>
-                          </p:cTn>
-                        </p:par>
-                      </p:childTnLst>
-                    </p:cTn>
-                  </p:par>
-                  <p:par>
-                    <p:cTn id="7" fill="hold">
-                      <p:stCondLst>
-                        <p:cond delay="indefinite"/>
-                      </p:stCondLst>
-                      <p:childTnLst>
-                        <p:par>
-                          <p:cTn id="8" fill="hold">
-                            <p:stCondLst>
-                              <p:cond delay="0"/>
-                            </p:stCondLst>
-                            <p:childTnLst>
-                              <p:par>
-                                <p:cTn id="9" presetID="1" presetClass="entr" presetSubtype="0" fill="hold" grpId="0" nodeType="clickEffect">
-                                  <p:stCondLst>
-                                    <p:cond delay="0"/>
-                                  </p:stCondLst>
-                                  <p:childTnLst>
-                                    <p:set>
-                                      <p:cBhvr>
-                                        <p:cTn id="10" dur="1" fill="hold">
-                                          <p:stCondLst>
-                                            <p:cond delay="0"/>
-                                          </p:stCondLst>
-                                        </p:cTn>
-                                        <p:tgtEl>
-                                          <p:spTgt spid="3">
-                                            <p:txEl>
-                                              <p:pRg st="1" end="1"/>
-                                            </p:txEl>
-                                          </p:spTgt>
-                                        </p:tgtEl>
-                                        <p:attrNameLst>
-                                          <p:attrName>style.visibility</p:attrName>
-                                        </p:attrNameLst>
-                                      </p:cBhvr>
-                                      <p:to>
-                                        <p:strVal val="visible"/>
-                                      </p:to>
-                                    </p:set>
-                                  </p:childTnLst>
-                                </p:cTn>
-                              </p:par>
-                            </p:childTnLst>
-                          </p:cTn>
-                        </p:par>
-                      </p:childTnLst>
-                    </p:cTn>
-                  </p:par>
-                  <p:par>
-                    <p:cTn id="11" fill="hold">
-                      <p:stCondLst>
-                        <p:cond delay="indefinite"/>
-                      </p:stCondLst>
-                      <p:childTnLst>
-                        <p:par>
-                          <p:cTn id="12" fill="hold">
-                            <p:stCondLst>
-                              <p:cond delay="0"/>
-                            </p:stCondLst>
-                            <p:childTnLst>
-                              <p:par>
-                                <p:cTn id="13" presetID="1" presetClass="entr" presetSubtype="0" fill="hold" grpId="0" nodeType="clickEffect">
-                                  <p:stCondLst>
-                                    <p:cond delay="0"/>
-                                  </p:stCondLst>
-                                  <p:childTnLst>
-                                    <p:set>
-                                      <p:cBhvr>
-                                        <p:cTn id="14" dur="1" fill="hold">
-                                          <p:stCondLst>
-                                            <p:cond delay="0"/>
-                                          </p:stCondLst>
-                                        </p:cTn>
-                                        <p:tgtEl>
-                                          <p:spTgt spid="3">
-                                            <p:txEl>
-                                              <p:pRg st="2" end="2"/>
-                                            </p:txEl>
-                                          </p:spTgt>
-                                        </p:tgtEl>
-                                        <p:attrNameLst>
-                                          <p:attrName>style.visibility</p:attrName>
-                                        </p:attrNameLst>
-                                      </p:cBhvr>
-                                      <p:to>
-                                        <p:strVal val="visible"/>
-                                      </p:to>
-                                    </p:set>
-                                  </p:childTnLst>
-                                </p:cTn>
-                              </p:par>
-                            </p:childTnLst>
-                          </p:cTn>
-                        </p:par>
-                      </p:childTnLst>
-                    </p:cTn>
-                  </p:par>
-                  <p:par>
-                    <p:cTn id="15" fill="hold">
-                      <p:stCondLst>
-                        <p:cond delay="indefinite"/>
-                      </p:stCondLst>
-                      <p:childTnLst>
-                        <p:par>
-                          <p:cTn id="16" fill="hold">
-                            <p:stCondLst>
-                              <p:cond delay="0"/>
-                            </p:stCondLst>
-                            <p:childTnLst>
-                              <p:par>
-                                <p:cTn id="17" presetID="1" presetClass="entr" presetSubtype="0" fill="hold" grpId="0" nodeType="clickEffect">
-                                  <p:stCondLst>
-                                    <p:cond delay="0"/>
-                                  </p:stCondLst>
-                                  <p:childTnLst>
-                                    <p:set>
-                                      <p:cBhvr>
-                                        <p:cTn id="18" dur="1" fill="hold">
-                                          <p:stCondLst>
-                                            <p:cond delay="0"/>
-                                          </p:stCondLst>
-                                        </p:cTn>
-                                        <p:tgtEl>
-                                          <p:spTgt spid="3">
-                                            <p:txEl>
-                                              <p:pRg st="3" end="3"/>
-                                            </p:txEl>
-                                          </p:spTgt>
-                                        </p:tgtEl>
-                                        <p:attrNameLst>
-                                          <p:attrName>style.visibility</p:attrName>
-                                        </p:attrNameLst>
-                                      </p:cBhvr>
-                                      <p:to>
-                                        <p:strVal val="visible"/>
-                                      </p:to>
-                                    </p:set>
-                                  </p:childTnLst>
-                                </p:cTn>
-                              </p:par>
-                            </p:childTnLst>
-                          </p:cTn>
-                        </p:par>
-                      </p:childTnLst>
-                    </p:cTn>
-                  </p:par>
-                  <p:par>
-                    <p:cTn id="19" fill="hold">
-                      <p:stCondLst>
-                        <p:cond delay="indefinite"/>
-                      </p:stCondLst>
-                      <p:childTnLst>
-                        <p:par>
-                          <p:cTn id="20" fill="hold">
-                            <p:stCondLst>
-                              <p:cond delay="0"/>
-                            </p:stCondLst>
-                            <p:childTnLst>
-                              <p:par>
-                                <p:cTn id="21" presetID="1" presetClass="entr" presetSubtype="0" fill="hold" grpId="0" nodeType="clickEffect">
-                                  <p:stCondLst>
-                                    <p:cond delay="0"/>
-                                  </p:stCondLst>
-                                  <p:childTnLst>
-                                    <p:set>
-                                      <p:cBhvr>
-                                        <p:cTn id="22" dur="1" fill="hold">
-                                          <p:stCondLst>
-                                            <p:cond delay="0"/>
-                                          </p:stCondLst>
-                                        </p:cTn>
-                                        <p:tgtEl>
-                                          <p:spTgt spid="3">
-                                            <p:txEl>
-                                              <p:pRg st="4" end="4"/>
-                                            </p:txEl>
-                                          </p:spTgt>
-                                        </p:tgtEl>
-                                        <p:attrNameLst>
-                                          <p:attrName>style.visibility</p:attrName>
-                                        </p:attrNameLst>
-                                      </p:cBhvr>
-                                      <p:to>
-                                        <p:strVal val="visible"/>
-                                      </p:to>
-                                    </p:set>
-                                  </p:childTnLst>
-                                </p:cTn>
-                              </p:par>
-                            </p:childTnLst>
-                          </p:cTn>
-                        </p:par>
-                      </p:childTnLst>
-                    </p:cTn>
-                  </p:par>
-                  <p:par>
-                    <p:cTn id="23" fill="hold">
-                      <p:stCondLst>
-                        <p:cond delay="indefinite"/>
-                      </p:stCondLst>
-                      <p:childTnLst>
-                        <p:par>
-                          <p:cTn id="24" fill="hold">
-                            <p:stCondLst>
-                              <p:cond delay="0"/>
-                            </p:stCondLst>
-                            <p:childTnLst>
-                              <p:par>
-                                <p:cTn id="25" presetID="1" presetClass="entr" presetSubtype="0" fill="hold" grpId="0" nodeType="clickEffect">
-                                  <p:stCondLst>
-                                    <p:cond delay="0"/>
-                                  </p:stCondLst>
-                                  <p:childTnLst>
-                                    <p:set>
-                                      <p:cBhvr>
-                                        <p:cTn id="26" dur="1" fill="hold">
-                                          <p:stCondLst>
-                                            <p:cond delay="0"/>
-                                          </p:stCondLst>
-                                        </p:cTn>
-                                        <p:tgtEl>
-                                          <p:spTgt spid="3">
-                                            <p:txEl>
-                                              <p:pRg st="5" end="5"/>
-                                            </p:txEl>
-                                          </p:spTgt>
-                                        </p:tgtEl>
-                                        <p:attrNameLst>
-                                          <p:attrName>style.visibility</p:attrName>
-                                        </p:attrNameLst>
-                                      </p:cBhvr>
-                                      <p:to>
-                                        <p:strVal val="visible"/>
-                                      </p:to>
-                                    </p:set>
-                                  </p:childTnLst>
-                                </p:cTn>
-                              </p:par>
-                            </p:childTnLst>
-                          </p:cTn>
-                        </p:par>
-                      </p:childTnLst>
-                    </p:cTn>
-                  </p:par>
-                  <p:par>
-                    <p:cTn id="27" fill="hold">
-                      <p:stCondLst>
-                        <p:cond delay="indefinite"/>
-                      </p:stCondLst>
-                      <p:childTnLst>
-                        <p:par>
-                          <p:cTn id="28" fill="hold">
-                            <p:stCondLst>
-                              <p:cond delay="0"/>
-                            </p:stCondLst>
-                            <p:childTnLst>
-                              <p:par>
-                                <p:cTn id="29" presetID="1" presetClass="entr" presetSubtype="0" fill="hold" grpId="0" nodeType="clickEffect">
-                                  <p:stCondLst>
-                                    <p:cond delay="0"/>
-                                  </p:stCondLst>
-                                  <p:childTnLst>
-                                    <p:set>
-                                      <p:cBhvr>
-                                        <p:cTn id="30" dur="1" fill="hold">
-                                          <p:stCondLst>
-                                            <p:cond delay="0"/>
-                                          </p:stCondLst>
-                                        </p:cTn>
-                                        <p:tgtEl>
-                                          <p:spTgt spid="3">
-                                            <p:txEl>
-                                              <p:pRg st="6" end="6"/>
-                                            </p:txEl>
-                                          </p:spTgt>
-                                        </p:tgtEl>
-                                        <p:attrNameLst>
-                                          <p:attrName>style.visibility</p:attrName>
-                                        </p:attrNameLst>
-                                      </p:cBhvr>
-                                      <p:to>
-                                        <p:strVal val="visible"/>
-                                      </p:to>
-                                    </p:set>
-                                  </p:childTnLst>
-                                </p:cTn>
-                              </p:par>
-                            </p:childTnLst>
-                          </p:cTn>
-                        </p:par>
-                      </p:childTnLst>
-                    </p:cTn>
-                  </p:par>
-                  <p:par>
-                    <p:cTn id="31" fill="hold">
-                      <p:stCondLst>
-                        <p:cond delay="indefinite"/>
-                      </p:stCondLst>
-                      <p:childTnLst>
-                        <p:par>
-                          <p:cTn id="32" fill="hold">
-                            <p:stCondLst>
-                              <p:cond delay="0"/>
-                            </p:stCondLst>
-                            <p:childTnLst>
-                              <p:par>
-                                <p:cTn id="33" presetID="1" presetClass="entr" presetSubtype="0" fill="hold" grpId="0" nodeType="clickEffect">
-                                  <p:stCondLst>
-                                    <p:cond delay="0"/>
-                                  </p:stCondLst>
-                                  <p:childTnLst>
-                                    <p:set>
-                                      <p:cBhvr>
-                                        <p:cTn id="34" dur="1" fill="hold">
-                                          <p:stCondLst>
-                                            <p:cond delay="0"/>
-                                          </p:stCondLst>
-                                        </p:cTn>
-                                        <p:tgtEl>
-                                          <p:spTgt spid="3">
-                                            <p:txEl>
-                                              <p:pRg st="7" end="7"/>
-                                            </p:txEl>
-                                          </p:spTgt>
-                                        </p:tgtEl>
-                                        <p:attrNameLst>
-                                          <p:attrName>style.visibility</p:attrName>
-                                        </p:attrNameLst>
-                                      </p:cBhvr>
-                                      <p:to>
-                                        <p:strVal val="visible"/>
-                                      </p:to>
-                                    </p:set>
-                                  </p:childTnLst>
-                                </p:cTn>
-                              </p:par>
-                            </p:childTnLst>
-                          </p:cTn>
-                        </p:par>
-                      </p:childTnLst>
-                    </p:cTn>
-                  </p:par>
-                  <p:par>
-                    <p:cTn id="35" fill="hold">
-                      <p:stCondLst>
-                        <p:cond delay="indefinite"/>
-                      </p:stCondLst>
-                      <p:childTnLst>
-                        <p:par>
-                          <p:cTn id="36" fill="hold">
-                            <p:stCondLst>
-                              <p:cond delay="0"/>
-                            </p:stCondLst>
-                            <p:childTnLst>
-                              <p:par>
-                                <p:cTn id="37" presetID="1" presetClass="entr" presetSubtype="0" fill="hold" grpId="0" nodeType="clickEffect">
-                                  <p:stCondLst>
-                                    <p:cond delay="0"/>
-                                  </p:stCondLst>
-                                  <p:childTnLst>
-                                    <p:set>
-                                      <p:cBhvr>
-                                        <p:cTn id="38" dur="1" fill="hold">
-                                          <p:stCondLst>
-                                            <p:cond delay="0"/>
-                                          </p:stCondLst>
-                                        </p:cTn>
-                                        <p:tgtEl>
-                                          <p:spTgt spid="3">
-                                            <p:txEl>
-                                              <p:pRg st="8" end="8"/>
-                                            </p:txEl>
-                                          </p:spTgt>
-                                        </p:tgtEl>
-                                        <p:attrNameLst>
-                                          <p:attrName>style.visibility</p:attrName>
-                                        </p:attrNameLst>
-                                      </p:cBhvr>
-                                      <p:to>
-                                        <p:strVal val="visible"/>
-                                      </p:to>
-                                    </p:set>
-                                  </p:childTnLst>
-                                </p:cTn>
-                              </p:par>
-                            </p:childTnLst>
-                          </p:cTn>
-                        </p:par>
-                      </p:childTnLst>
-                    </p:cTn>
-                  </p:par>
-                  <p:par>
-                    <p:cTn id="39" fill="hold">
-                      <p:stCondLst>
-                        <p:cond delay="indefinite"/>
-                      </p:stCondLst>
-                      <p:childTnLst>
-                        <p:par>
-                          <p:cTn id="40" fill="hold">
-                            <p:stCondLst>
-                              <p:cond delay="0"/>
-                            </p:stCondLst>
-                            <p:childTnLst>
-                              <p:par>
-                                <p:cTn id="41" presetID="1" presetClass="entr" presetSubtype="0" fill="hold" grpId="0" nodeType="clickEffect">
-                                  <p:stCondLst>
-                                    <p:cond delay="0"/>
-                                  </p:stCondLst>
-                                  <p:childTnLst>
-                                    <p:set>
-                                      <p:cBhvr>
-                                        <p:cTn id="42" dur="1" fill="hold">
-                                          <p:stCondLst>
-                                            <p:cond delay="0"/>
-                                          </p:stCondLst>
-                                        </p:cTn>
-                                        <p:tgtEl>
-                                          <p:spTgt spid="3">
-                                            <p:txEl>
-                                              <p:pRg st="9" end="9"/>
-                                            </p:txEl>
-                                          </p:spTgt>
-                                        </p:tgtEl>
-                                        <p:attrNameLst>
-                                          <p:attrName>style.visibility</p:attrName>
-                                        </p:attrNameLst>
-                                      </p:cBhvr>
-                                      <p:to>
-                                        <p:strVal val="visible"/>
-                                      </p:to>
-                                    </p:set>
-                                  </p:childTnLst>
-                                </p:cTn>
-                              </p:par>
-                            </p:childTnLst>
-                          </p:cTn>
-                        </p:par>
-                      </p:childTnLst>
-                    </p:cTn>
-                  </p:par>
-                  <p:par>
-                    <p:cTn id="43" fill="hold">
-                      <p:stCondLst>
-                        <p:cond delay="indefinite"/>
-                      </p:stCondLst>
-                      <p:childTnLst>
-                        <p:par>
-                          <p:cTn id="44" fill="hold">
-                            <p:stCondLst>
-                              <p:cond delay="0"/>
-                            </p:stCondLst>
-                            <p:childTnLst>
-                              <p:par>
-                                <p:cTn id="45" presetID="1" presetClass="entr" presetSubtype="0" fill="hold" grpId="0" nodeType="clickEffect">
-                                  <p:stCondLst>
-                                    <p:cond delay="0"/>
-                                  </p:stCondLst>
-                                  <p:childTnLst>
-                                    <p:set>
-                                      <p:cBhvr>
-                                        <p:cTn id="46" dur="1" fill="hold">
-                                          <p:stCondLst>
-                                            <p:cond delay="0"/>
-                                          </p:stCondLst>
-                                        </p:cTn>
-                                        <p:tgtEl>
-                                          <p:spTgt spid="3">
-                                            <p:txEl>
-                                              <p:pRg st="10" end="10"/>
-                                            </p:txEl>
-                                          </p:spTgt>
-                                        </p:tgtEl>
-                                        <p:attrNameLst>
-                                          <p:attrName>style.visibility</p:attrName>
-                                        </p:attrNameLst>
-                                      </p:cBhvr>
-                                      <p:to>
-                                        <p:strVal val="visible"/>
-                                      </p:to>
-                                    </p:set>
-                                  </p:childTnLst>
-                                </p:cTn>
-                              </p:par>
-                            </p:childTnLst>
-                          </p:cTn>
-                        </p:par>
-                      </p:childTnLst>
-                    </p:cTn>
-                  </p:par>
-                  <p:par>
-                    <p:cTn id="47" fill="hold">
-                      <p:stCondLst>
-                        <p:cond delay="indefinite"/>
-                      </p:stCondLst>
-                      <p:childTnLst>
-                        <p:par>
-                          <p:cTn id="48" fill="hold">
-                            <p:stCondLst>
-                              <p:cond delay="0"/>
-                            </p:stCondLst>
-                            <p:childTnLst>
-                              <p:par>
-                                <p:cTn id="49" presetID="1" presetClass="entr" presetSubtype="0" fill="hold" grpId="0" nodeType="clickEffect">
-                                  <p:stCondLst>
-                                    <p:cond delay="0"/>
-                                  </p:stCondLst>
-                                  <p:childTnLst>
-                                    <p:set>
-                                      <p:cBhvr>
-                                        <p:cTn id="50" dur="1" fill="hold">
-                                          <p:stCondLst>
-                                            <p:cond delay="0"/>
-                                          </p:stCondLst>
-                                        </p:cTn>
-                                        <p:tgtEl>
-                                          <p:spTgt spid="3">
-                                            <p:txEl>
-                                              <p:pRg st="11" end="11"/>
-                                            </p:txEl>
-                                          </p:spTgt>
-                                        </p:tgtEl>
-                                        <p:attrNameLst>
-                                          <p:attrName>style.visibility</p:attrName>
-                                        </p:attrNameLst>
-                                      </p:cBhvr>
-                                      <p:to>
-                                        <p:strVal val="visible"/>
-                                      </p:to>
-                                    </p:set>
-                                  </p:childTnLst>
-                                </p:cTn>
-                              </p:par>
-                            </p:childTnLst>
-                          </p:cTn>
-                        </p:par>
-                      </p:childTnLst>
-                    </p:cTn>
-                  </p:par>
-                </p:childTnLst>
-              </p:cTn>
-              <p:prevCondLst>
-                <p:cond evt="onPrev" delay="0">
-                  <p:tgtEl>
-                    <p:sldTgt/>
-                  </p:tgtEl>
-                </p:cond>
-              </p:prevCondLst>
-              <p:nextCondLst>
-                <p:cond evt="onNext" delay="0">
-                  <p:tgtEl>
-                    <p:sldTgt/>
-                  </p:tgtEl>
-                </p:cond>
-              </p:nextCondLst>
-            </p:seq>
-          </p:childTnLst>
-        </p:cTn>
-      </p:par>
-    </p:tnLst>
-    <p:bldLst>
-      <p:bldP spid="3" grpId="0" uiExpand="1" build="p"/>
-    </p:bldLst>
-  </p:timing>
-</p:sld>
-</file>
-
 <file path=ppt/slides/slide3.xml><?xml version="1.0" encoding="utf-8"?>
 <p:sld xmlns:a="http://schemas.openxmlformats.org/drawingml/2006/main" xmlns:r="http://schemas.openxmlformats.org/officeDocument/2006/relationships" xmlns:p="http://schemas.openxmlformats.org/presentationml/2006/main">
   <p:cSld>
@@ -14878,921 +13141,6 @@
                                           <p:spTgt spid="3">
                                             <p:txEl>
                                               <p:pRg st="6" end="6"/>
-                                            </p:txEl>
-                                          </p:spTgt>
-                                        </p:tgtEl>
-                                        <p:attrNameLst>
-                                          <p:attrName>style.visibility</p:attrName>
-                                        </p:attrNameLst>
-                                      </p:cBhvr>
-                                      <p:to>
-                                        <p:strVal val="visible"/>
-                                      </p:to>
-                                    </p:set>
-                                  </p:childTnLst>
-                                </p:cTn>
-                              </p:par>
-                            </p:childTnLst>
-                          </p:cTn>
-                        </p:par>
-                      </p:childTnLst>
-                    </p:cTn>
-                  </p:par>
-                </p:childTnLst>
-              </p:cTn>
-              <p:prevCondLst>
-                <p:cond evt="onPrev" delay="0">
-                  <p:tgtEl>
-                    <p:sldTgt/>
-                  </p:tgtEl>
-                </p:cond>
-              </p:prevCondLst>
-              <p:nextCondLst>
-                <p:cond evt="onNext" delay="0">
-                  <p:tgtEl>
-                    <p:sldTgt/>
-                  </p:tgtEl>
-                </p:cond>
-              </p:nextCondLst>
-            </p:seq>
-          </p:childTnLst>
-        </p:cTn>
-      </p:par>
-    </p:tnLst>
-    <p:bldLst>
-      <p:bldP spid="3" grpId="0" uiExpand="1" build="p"/>
-    </p:bldLst>
-  </p:timing>
-</p:sld>
-</file>
-
-<file path=ppt/slides/slide30.xml><?xml version="1.0" encoding="utf-8"?>
-<p:sld xmlns:a="http://schemas.openxmlformats.org/drawingml/2006/main" xmlns:r="http://schemas.openxmlformats.org/officeDocument/2006/relationships" xmlns:p="http://schemas.openxmlformats.org/presentationml/2006/main">
-  <p:cSld>
-    <p:spTree>
-      <p:nvGrpSpPr>
-        <p:cNvPr id="1" name=""/>
-        <p:cNvGrpSpPr/>
-        <p:nvPr/>
-      </p:nvGrpSpPr>
-      <p:grpSpPr>
-        <a:xfrm>
-          <a:off x="0" y="0"/>
-          <a:ext cx="0" cy="0"/>
-          <a:chOff x="0" y="0"/>
-          <a:chExt cx="0" cy="0"/>
-        </a:xfrm>
-      </p:grpSpPr>
-      <p:sp>
-        <p:nvSpPr>
-          <p:cNvPr id="2" name="Title 1"/>
-          <p:cNvSpPr>
-            <a:spLocks noGrp="1"/>
-          </p:cNvSpPr>
-          <p:nvPr>
-            <p:ph type="title"/>
-          </p:nvPr>
-        </p:nvSpPr>
-        <p:spPr/>
-        <p:txBody>
-          <a:bodyPr/>
-          <a:lstStyle/>
-          <a:p>
-            <a:pPr lvl="0" indent="0" marL="0">
-              <a:buNone/>
-            </a:pPr>
-            <a:r>
-              <a:rPr/>
-              <a:t>Key Course Takeaways</a:t>
-            </a:r>
-          </a:p>
-        </p:txBody>
-      </p:sp>
-      <p:sp>
-        <p:nvSpPr>
-          <p:cNvPr id="3" name="Content Placeholder 2"/>
-          <p:cNvSpPr>
-            <a:spLocks noGrp="1"/>
-          </p:cNvSpPr>
-          <p:nvPr>
-            <p:ph idx="1"/>
-          </p:nvPr>
-        </p:nvSpPr>
-        <p:spPr/>
-        <p:txBody>
-          <a:bodyPr/>
-          <a:lstStyle/>
-          <a:p>
-            <a:pPr lvl="0" indent="-342900" marL="342900">
-              <a:buAutoNum type="arabicPeriod"/>
-            </a:pPr>
-            <a:r>
-              <a:rPr/>
-              <a:t>Impact evaluation requires identifying a valid counterfactual</a:t>
-            </a:r>
-          </a:p>
-          <a:p>
-            <a:pPr lvl="0" indent="-342900" marL="342900">
-              <a:buAutoNum type="arabicPeriod"/>
-            </a:pPr>
-            <a:r>
-              <a:rPr/>
-              <a:t>Randomized experiments provide the most credible counterfactual</a:t>
-            </a:r>
-          </a:p>
-          <a:p>
-            <a:pPr lvl="0" indent="-342900" marL="342900">
-              <a:buAutoNum type="arabicPeriod"/>
-            </a:pPr>
-            <a:r>
-              <a:rPr/>
-              <a:t>Quasi-experimental methods can provide rigorous evidence when randomization isn’t possible</a:t>
-            </a:r>
-          </a:p>
-          <a:p>
-            <a:pPr lvl="0" indent="-342900" marL="342900">
-              <a:buAutoNum type="arabicPeriod"/>
-            </a:pPr>
-            <a:r>
-              <a:rPr/>
-              <a:t>Multiple methods with consistent results strengthen the evidence base</a:t>
-            </a:r>
-          </a:p>
-          <a:p>
-            <a:pPr lvl="0" indent="-342900" marL="342900">
-              <a:buAutoNum type="arabicPeriod"/>
-            </a:pPr>
-            <a:r>
-              <a:rPr/>
-              <a:t>Statistical significance must be paired with policy significance</a:t>
-            </a:r>
-          </a:p>
-          <a:p>
-            <a:pPr lvl="0" indent="-342900" marL="342900">
-              <a:buAutoNum type="arabicPeriod"/>
-            </a:pPr>
-            <a:r>
-              <a:rPr/>
-              <a:t>The choice of method depends on context, data, and research question</a:t>
-            </a:r>
-          </a:p>
-          <a:p>
-            <a:pPr lvl="0" indent="-342900" marL="342900">
-              <a:buAutoNum type="arabicPeriod"/>
-            </a:pPr>
-            <a:r>
-              <a:rPr/>
-              <a:t>R provides powerful tools for implementing all these methods</a:t>
-            </a:r>
-          </a:p>
-        </p:txBody>
-      </p:sp>
-    </p:spTree>
-  </p:cSld>
-  <p:timing>
-    <p:tnLst>
-      <p:par>
-        <p:cTn id="1" dur="indefinite" restart="never" nodeType="tmRoot">
-          <p:childTnLst>
-            <p:seq concurrent="1" nextAc="seek">
-              <p:cTn id="2" dur="indefinite" nodeType="mainSeq">
-                <p:childTnLst>
-                  <p:par>
-                    <p:cTn id="3" fill="hold">
-                      <p:stCondLst>
-                        <p:cond delay="indefinite"/>
-                      </p:stCondLst>
-                      <p:childTnLst>
-                        <p:par>
-                          <p:cTn id="4" fill="hold">
-                            <p:stCondLst>
-                              <p:cond delay="0"/>
-                            </p:stCondLst>
-                            <p:childTnLst>
-                              <p:par>
-                                <p:cTn id="5" presetID="1" presetClass="entr" presetSubtype="0" fill="hold" grpId="0" nodeType="clickEffect">
-                                  <p:stCondLst>
-                                    <p:cond delay="0"/>
-                                  </p:stCondLst>
-                                  <p:childTnLst>
-                                    <p:set>
-                                      <p:cBhvr>
-                                        <p:cTn id="6" dur="1" fill="hold">
-                                          <p:stCondLst>
-                                            <p:cond delay="0"/>
-                                          </p:stCondLst>
-                                        </p:cTn>
-                                        <p:tgtEl>
-                                          <p:spTgt spid="3">
-                                            <p:txEl>
-                                              <p:pRg st="0" end="0"/>
-                                            </p:txEl>
-                                          </p:spTgt>
-                                        </p:tgtEl>
-                                        <p:attrNameLst>
-                                          <p:attrName>style.visibility</p:attrName>
-                                        </p:attrNameLst>
-                                      </p:cBhvr>
-                                      <p:to>
-                                        <p:strVal val="visible"/>
-                                      </p:to>
-                                    </p:set>
-                                  </p:childTnLst>
-                                </p:cTn>
-                              </p:par>
-                            </p:childTnLst>
-                          </p:cTn>
-                        </p:par>
-                      </p:childTnLst>
-                    </p:cTn>
-                  </p:par>
-                  <p:par>
-                    <p:cTn id="7" fill="hold">
-                      <p:stCondLst>
-                        <p:cond delay="indefinite"/>
-                      </p:stCondLst>
-                      <p:childTnLst>
-                        <p:par>
-                          <p:cTn id="8" fill="hold">
-                            <p:stCondLst>
-                              <p:cond delay="0"/>
-                            </p:stCondLst>
-                            <p:childTnLst>
-                              <p:par>
-                                <p:cTn id="9" presetID="1" presetClass="entr" presetSubtype="0" fill="hold" grpId="0" nodeType="clickEffect">
-                                  <p:stCondLst>
-                                    <p:cond delay="0"/>
-                                  </p:stCondLst>
-                                  <p:childTnLst>
-                                    <p:set>
-                                      <p:cBhvr>
-                                        <p:cTn id="10" dur="1" fill="hold">
-                                          <p:stCondLst>
-                                            <p:cond delay="0"/>
-                                          </p:stCondLst>
-                                        </p:cTn>
-                                        <p:tgtEl>
-                                          <p:spTgt spid="3">
-                                            <p:txEl>
-                                              <p:pRg st="1" end="1"/>
-                                            </p:txEl>
-                                          </p:spTgt>
-                                        </p:tgtEl>
-                                        <p:attrNameLst>
-                                          <p:attrName>style.visibility</p:attrName>
-                                        </p:attrNameLst>
-                                      </p:cBhvr>
-                                      <p:to>
-                                        <p:strVal val="visible"/>
-                                      </p:to>
-                                    </p:set>
-                                  </p:childTnLst>
-                                </p:cTn>
-                              </p:par>
-                            </p:childTnLst>
-                          </p:cTn>
-                        </p:par>
-                      </p:childTnLst>
-                    </p:cTn>
-                  </p:par>
-                  <p:par>
-                    <p:cTn id="11" fill="hold">
-                      <p:stCondLst>
-                        <p:cond delay="indefinite"/>
-                      </p:stCondLst>
-                      <p:childTnLst>
-                        <p:par>
-                          <p:cTn id="12" fill="hold">
-                            <p:stCondLst>
-                              <p:cond delay="0"/>
-                            </p:stCondLst>
-                            <p:childTnLst>
-                              <p:par>
-                                <p:cTn id="13" presetID="1" presetClass="entr" presetSubtype="0" fill="hold" grpId="0" nodeType="clickEffect">
-                                  <p:stCondLst>
-                                    <p:cond delay="0"/>
-                                  </p:stCondLst>
-                                  <p:childTnLst>
-                                    <p:set>
-                                      <p:cBhvr>
-                                        <p:cTn id="14" dur="1" fill="hold">
-                                          <p:stCondLst>
-                                            <p:cond delay="0"/>
-                                          </p:stCondLst>
-                                        </p:cTn>
-                                        <p:tgtEl>
-                                          <p:spTgt spid="3">
-                                            <p:txEl>
-                                              <p:pRg st="2" end="2"/>
-                                            </p:txEl>
-                                          </p:spTgt>
-                                        </p:tgtEl>
-                                        <p:attrNameLst>
-                                          <p:attrName>style.visibility</p:attrName>
-                                        </p:attrNameLst>
-                                      </p:cBhvr>
-                                      <p:to>
-                                        <p:strVal val="visible"/>
-                                      </p:to>
-                                    </p:set>
-                                  </p:childTnLst>
-                                </p:cTn>
-                              </p:par>
-                            </p:childTnLst>
-                          </p:cTn>
-                        </p:par>
-                      </p:childTnLst>
-                    </p:cTn>
-                  </p:par>
-                  <p:par>
-                    <p:cTn id="15" fill="hold">
-                      <p:stCondLst>
-                        <p:cond delay="indefinite"/>
-                      </p:stCondLst>
-                      <p:childTnLst>
-                        <p:par>
-                          <p:cTn id="16" fill="hold">
-                            <p:stCondLst>
-                              <p:cond delay="0"/>
-                            </p:stCondLst>
-                            <p:childTnLst>
-                              <p:par>
-                                <p:cTn id="17" presetID="1" presetClass="entr" presetSubtype="0" fill="hold" grpId="0" nodeType="clickEffect">
-                                  <p:stCondLst>
-                                    <p:cond delay="0"/>
-                                  </p:stCondLst>
-                                  <p:childTnLst>
-                                    <p:set>
-                                      <p:cBhvr>
-                                        <p:cTn id="18" dur="1" fill="hold">
-                                          <p:stCondLst>
-                                            <p:cond delay="0"/>
-                                          </p:stCondLst>
-                                        </p:cTn>
-                                        <p:tgtEl>
-                                          <p:spTgt spid="3">
-                                            <p:txEl>
-                                              <p:pRg st="3" end="3"/>
-                                            </p:txEl>
-                                          </p:spTgt>
-                                        </p:tgtEl>
-                                        <p:attrNameLst>
-                                          <p:attrName>style.visibility</p:attrName>
-                                        </p:attrNameLst>
-                                      </p:cBhvr>
-                                      <p:to>
-                                        <p:strVal val="visible"/>
-                                      </p:to>
-                                    </p:set>
-                                  </p:childTnLst>
-                                </p:cTn>
-                              </p:par>
-                            </p:childTnLst>
-                          </p:cTn>
-                        </p:par>
-                      </p:childTnLst>
-                    </p:cTn>
-                  </p:par>
-                  <p:par>
-                    <p:cTn id="19" fill="hold">
-                      <p:stCondLst>
-                        <p:cond delay="indefinite"/>
-                      </p:stCondLst>
-                      <p:childTnLst>
-                        <p:par>
-                          <p:cTn id="20" fill="hold">
-                            <p:stCondLst>
-                              <p:cond delay="0"/>
-                            </p:stCondLst>
-                            <p:childTnLst>
-                              <p:par>
-                                <p:cTn id="21" presetID="1" presetClass="entr" presetSubtype="0" fill="hold" grpId="0" nodeType="clickEffect">
-                                  <p:stCondLst>
-                                    <p:cond delay="0"/>
-                                  </p:stCondLst>
-                                  <p:childTnLst>
-                                    <p:set>
-                                      <p:cBhvr>
-                                        <p:cTn id="22" dur="1" fill="hold">
-                                          <p:stCondLst>
-                                            <p:cond delay="0"/>
-                                          </p:stCondLst>
-                                        </p:cTn>
-                                        <p:tgtEl>
-                                          <p:spTgt spid="3">
-                                            <p:txEl>
-                                              <p:pRg st="4" end="4"/>
-                                            </p:txEl>
-                                          </p:spTgt>
-                                        </p:tgtEl>
-                                        <p:attrNameLst>
-                                          <p:attrName>style.visibility</p:attrName>
-                                        </p:attrNameLst>
-                                      </p:cBhvr>
-                                      <p:to>
-                                        <p:strVal val="visible"/>
-                                      </p:to>
-                                    </p:set>
-                                  </p:childTnLst>
-                                </p:cTn>
-                              </p:par>
-                            </p:childTnLst>
-                          </p:cTn>
-                        </p:par>
-                      </p:childTnLst>
-                    </p:cTn>
-                  </p:par>
-                  <p:par>
-                    <p:cTn id="23" fill="hold">
-                      <p:stCondLst>
-                        <p:cond delay="indefinite"/>
-                      </p:stCondLst>
-                      <p:childTnLst>
-                        <p:par>
-                          <p:cTn id="24" fill="hold">
-                            <p:stCondLst>
-                              <p:cond delay="0"/>
-                            </p:stCondLst>
-                            <p:childTnLst>
-                              <p:par>
-                                <p:cTn id="25" presetID="1" presetClass="entr" presetSubtype="0" fill="hold" grpId="0" nodeType="clickEffect">
-                                  <p:stCondLst>
-                                    <p:cond delay="0"/>
-                                  </p:stCondLst>
-                                  <p:childTnLst>
-                                    <p:set>
-                                      <p:cBhvr>
-                                        <p:cTn id="26" dur="1" fill="hold">
-                                          <p:stCondLst>
-                                            <p:cond delay="0"/>
-                                          </p:stCondLst>
-                                        </p:cTn>
-                                        <p:tgtEl>
-                                          <p:spTgt spid="3">
-                                            <p:txEl>
-                                              <p:pRg st="5" end="5"/>
-                                            </p:txEl>
-                                          </p:spTgt>
-                                        </p:tgtEl>
-                                        <p:attrNameLst>
-                                          <p:attrName>style.visibility</p:attrName>
-                                        </p:attrNameLst>
-                                      </p:cBhvr>
-                                      <p:to>
-                                        <p:strVal val="visible"/>
-                                      </p:to>
-                                    </p:set>
-                                  </p:childTnLst>
-                                </p:cTn>
-                              </p:par>
-                            </p:childTnLst>
-                          </p:cTn>
-                        </p:par>
-                      </p:childTnLst>
-                    </p:cTn>
-                  </p:par>
-                  <p:par>
-                    <p:cTn id="27" fill="hold">
-                      <p:stCondLst>
-                        <p:cond delay="indefinite"/>
-                      </p:stCondLst>
-                      <p:childTnLst>
-                        <p:par>
-                          <p:cTn id="28" fill="hold">
-                            <p:stCondLst>
-                              <p:cond delay="0"/>
-                            </p:stCondLst>
-                            <p:childTnLst>
-                              <p:par>
-                                <p:cTn id="29" presetID="1" presetClass="entr" presetSubtype="0" fill="hold" grpId="0" nodeType="clickEffect">
-                                  <p:stCondLst>
-                                    <p:cond delay="0"/>
-                                  </p:stCondLst>
-                                  <p:childTnLst>
-                                    <p:set>
-                                      <p:cBhvr>
-                                        <p:cTn id="30" dur="1" fill="hold">
-                                          <p:stCondLst>
-                                            <p:cond delay="0"/>
-                                          </p:stCondLst>
-                                        </p:cTn>
-                                        <p:tgtEl>
-                                          <p:spTgt spid="3">
-                                            <p:txEl>
-                                              <p:pRg st="6" end="6"/>
-                                            </p:txEl>
-                                          </p:spTgt>
-                                        </p:tgtEl>
-                                        <p:attrNameLst>
-                                          <p:attrName>style.visibility</p:attrName>
-                                        </p:attrNameLst>
-                                      </p:cBhvr>
-                                      <p:to>
-                                        <p:strVal val="visible"/>
-                                      </p:to>
-                                    </p:set>
-                                  </p:childTnLst>
-                                </p:cTn>
-                              </p:par>
-                            </p:childTnLst>
-                          </p:cTn>
-                        </p:par>
-                      </p:childTnLst>
-                    </p:cTn>
-                  </p:par>
-                </p:childTnLst>
-              </p:cTn>
-              <p:prevCondLst>
-                <p:cond evt="onPrev" delay="0">
-                  <p:tgtEl>
-                    <p:sldTgt/>
-                  </p:tgtEl>
-                </p:cond>
-              </p:prevCondLst>
-              <p:nextCondLst>
-                <p:cond evt="onNext" delay="0">
-                  <p:tgtEl>
-                    <p:sldTgt/>
-                  </p:tgtEl>
-                </p:cond>
-              </p:nextCondLst>
-            </p:seq>
-          </p:childTnLst>
-        </p:cTn>
-      </p:par>
-    </p:tnLst>
-    <p:bldLst>
-      <p:bldP spid="3" grpId="0" uiExpand="1" build="p"/>
-    </p:bldLst>
-  </p:timing>
-</p:sld>
-</file>
-
-<file path=ppt/slides/slide31.xml><?xml version="1.0" encoding="utf-8"?>
-<p:sld xmlns:a="http://schemas.openxmlformats.org/drawingml/2006/main" xmlns:r="http://schemas.openxmlformats.org/officeDocument/2006/relationships" xmlns:p="http://schemas.openxmlformats.org/presentationml/2006/main">
-  <p:cSld>
-    <p:spTree>
-      <p:nvGrpSpPr>
-        <p:cNvPr id="1" name=""/>
-        <p:cNvGrpSpPr/>
-        <p:nvPr/>
-      </p:nvGrpSpPr>
-      <p:grpSpPr>
-        <a:xfrm>
-          <a:off x="0" y="0"/>
-          <a:ext cx="0" cy="0"/>
-          <a:chOff x="0" y="0"/>
-          <a:chExt cx="0" cy="0"/>
-        </a:xfrm>
-      </p:grpSpPr>
-      <p:sp>
-        <p:nvSpPr>
-          <p:cNvPr id="2" name="Title 1"/>
-          <p:cNvSpPr>
-            <a:spLocks noGrp="1"/>
-          </p:cNvSpPr>
-          <p:nvPr>
-            <p:ph type="title"/>
-          </p:nvPr>
-        </p:nvSpPr>
-        <p:spPr/>
-        <p:txBody>
-          <a:bodyPr/>
-          <a:lstStyle/>
-          <a:p>
-            <a:pPr lvl="0" indent="0" marL="0">
-              <a:buNone/>
-            </a:pPr>
-            <a:r>
-              <a:rPr/>
-              <a:t>Thank You!</a:t>
-            </a:r>
-          </a:p>
-        </p:txBody>
-      </p:sp>
-      <p:sp>
-        <p:nvSpPr>
-          <p:cNvPr id="3" name="Content Placeholder 2"/>
-          <p:cNvSpPr>
-            <a:spLocks noGrp="1"/>
-          </p:cNvSpPr>
-          <p:nvPr>
-            <p:ph idx="1"/>
-          </p:nvPr>
-        </p:nvSpPr>
-        <p:spPr/>
-        <p:txBody>
-          <a:bodyPr/>
-          <a:lstStyle/>
-          <a:p>
-            <a:pPr lvl="0" indent="0" marL="0">
-              <a:buNone/>
-            </a:pPr>
-            <a:r>
-              <a:rPr b="1"/>
-              <a:t>Additional Resources</a:t>
-            </a:r>
-            <a:r>
-              <a:rPr/>
-              <a:t>:</a:t>
-            </a:r>
-          </a:p>
-          <a:p>
-            <a:pPr lvl="0"/>
-            <a:r>
-              <a:rPr/>
-              <a:t>Gertler, P. J., et al. (2016). </a:t>
-            </a:r>
-            <a:r>
-              <a:rPr i="1"/>
-              <a:t>Impact Evaluation in Practice</a:t>
-            </a:r>
-            <a:r>
-              <a:rPr/>
-              <a:t>, Second Edition. World Bank.</a:t>
-            </a:r>
-          </a:p>
-          <a:p>
-            <a:pPr lvl="0"/>
-            <a:r>
-              <a:rPr/>
-              <a:t>Angrist, J. D., &amp; Pischke, J. S. (2008). </a:t>
-            </a:r>
-            <a:r>
-              <a:rPr i="1"/>
-              <a:t>Mostly Harmless Econometrics</a:t>
-            </a:r>
-            <a:r>
-              <a:rPr/>
-              <a:t>. Princeton University Press.</a:t>
-            </a:r>
-          </a:p>
-          <a:p>
-            <a:pPr lvl="0"/>
-            <a:r>
-              <a:rPr/>
-              <a:t>Cunningham, S. (2021). </a:t>
-            </a:r>
-            <a:r>
-              <a:rPr i="1"/>
-              <a:t>Causal Inference: The Mixtape</a:t>
-            </a:r>
-            <a:r>
-              <a:rPr/>
-              <a:t>. Yale University Press.</a:t>
-            </a:r>
-          </a:p>
-          <a:p>
-            <a:pPr lvl="0"/>
-            <a:r>
-              <a:rPr/>
-              <a:t>R packages: </a:t>
-            </a:r>
-            <a:r>
-              <a:rPr>
-                <a:latin typeface="Courier"/>
-              </a:rPr>
-              <a:t>estimatr</a:t>
-            </a:r>
-            <a:r>
-              <a:rPr/>
-              <a:t>, </a:t>
-            </a:r>
-            <a:r>
-              <a:rPr>
-                <a:latin typeface="Courier"/>
-              </a:rPr>
-              <a:t>MatchIt</a:t>
-            </a:r>
-            <a:r>
-              <a:rPr/>
-              <a:t>, </a:t>
-            </a:r>
-            <a:r>
-              <a:rPr>
-                <a:latin typeface="Courier"/>
-              </a:rPr>
-              <a:t>rdrobust</a:t>
-            </a:r>
-            <a:r>
-              <a:rPr/>
-              <a:t>, </a:t>
-            </a:r>
-            <a:r>
-              <a:rPr>
-                <a:latin typeface="Courier"/>
-              </a:rPr>
-              <a:t>did</a:t>
-            </a:r>
-            <a:r>
-              <a:rPr/>
-              <a:t>, </a:t>
-            </a:r>
-            <a:r>
-              <a:rPr>
-                <a:latin typeface="Courier"/>
-              </a:rPr>
-              <a:t>fixest</a:t>
-            </a:r>
-            <a:r>
-              <a:rPr/>
-              <a:t>, </a:t>
-            </a:r>
-            <a:r>
-              <a:rPr>
-                <a:latin typeface="Courier"/>
-              </a:rPr>
-              <a:t>AER</a:t>
-            </a:r>
-          </a:p>
-        </p:txBody>
-      </p:sp>
-    </p:spTree>
-  </p:cSld>
-  <p:timing>
-    <p:tnLst>
-      <p:par>
-        <p:cTn id="1" dur="indefinite" restart="never" nodeType="tmRoot">
-          <p:childTnLst>
-            <p:seq concurrent="1" nextAc="seek">
-              <p:cTn id="2" dur="indefinite" nodeType="mainSeq">
-                <p:childTnLst>
-                  <p:par>
-                    <p:cTn id="3" fill="hold">
-                      <p:stCondLst>
-                        <p:cond delay="indefinite"/>
-                      </p:stCondLst>
-                      <p:childTnLst>
-                        <p:par>
-                          <p:cTn id="4" fill="hold">
-                            <p:stCondLst>
-                              <p:cond delay="0"/>
-                            </p:stCondLst>
-                            <p:childTnLst>
-                              <p:par>
-                                <p:cTn id="5" presetID="1" presetClass="entr" presetSubtype="0" fill="hold" grpId="0" nodeType="clickEffect">
-                                  <p:stCondLst>
-                                    <p:cond delay="0"/>
-                                  </p:stCondLst>
-                                  <p:childTnLst>
-                                    <p:set>
-                                      <p:cBhvr>
-                                        <p:cTn id="6" dur="1" fill="hold">
-                                          <p:stCondLst>
-                                            <p:cond delay="0"/>
-                                          </p:stCondLst>
-                                        </p:cTn>
-                                        <p:tgtEl>
-                                          <p:spTgt spid="3">
-                                            <p:txEl>
-                                              <p:pRg st="1" end="1"/>
-                                            </p:txEl>
-                                          </p:spTgt>
-                                        </p:tgtEl>
-                                        <p:attrNameLst>
-                                          <p:attrName>style.visibility</p:attrName>
-                                        </p:attrNameLst>
-                                      </p:cBhvr>
-                                      <p:to>
-                                        <p:strVal val="visible"/>
-                                      </p:to>
-                                    </p:set>
-                                  </p:childTnLst>
-                                </p:cTn>
-                              </p:par>
-                            </p:childTnLst>
-                          </p:cTn>
-                        </p:par>
-                      </p:childTnLst>
-                    </p:cTn>
-                  </p:par>
-                  <p:par>
-                    <p:cTn id="7" fill="hold">
-                      <p:stCondLst>
-                        <p:cond delay="indefinite"/>
-                      </p:stCondLst>
-                      <p:childTnLst>
-                        <p:par>
-                          <p:cTn id="8" fill="hold">
-                            <p:stCondLst>
-                              <p:cond delay="0"/>
-                            </p:stCondLst>
-                            <p:childTnLst>
-                              <p:par>
-                                <p:cTn id="9" presetID="1" presetClass="entr" presetSubtype="0" fill="hold" grpId="0" nodeType="clickEffect">
-                                  <p:stCondLst>
-                                    <p:cond delay="0"/>
-                                  </p:stCondLst>
-                                  <p:childTnLst>
-                                    <p:set>
-                                      <p:cBhvr>
-                                        <p:cTn id="10" dur="1" fill="hold">
-                                          <p:stCondLst>
-                                            <p:cond delay="0"/>
-                                          </p:stCondLst>
-                                        </p:cTn>
-                                        <p:tgtEl>
-                                          <p:spTgt spid="3">
-                                            <p:txEl>
-                                              <p:pRg st="2" end="2"/>
-                                            </p:txEl>
-                                          </p:spTgt>
-                                        </p:tgtEl>
-                                        <p:attrNameLst>
-                                          <p:attrName>style.visibility</p:attrName>
-                                        </p:attrNameLst>
-                                      </p:cBhvr>
-                                      <p:to>
-                                        <p:strVal val="visible"/>
-                                      </p:to>
-                                    </p:set>
-                                  </p:childTnLst>
-                                </p:cTn>
-                              </p:par>
-                            </p:childTnLst>
-                          </p:cTn>
-                        </p:par>
-                      </p:childTnLst>
-                    </p:cTn>
-                  </p:par>
-                  <p:par>
-                    <p:cTn id="11" fill="hold">
-                      <p:stCondLst>
-                        <p:cond delay="indefinite"/>
-                      </p:stCondLst>
-                      <p:childTnLst>
-                        <p:par>
-                          <p:cTn id="12" fill="hold">
-                            <p:stCondLst>
-                              <p:cond delay="0"/>
-                            </p:stCondLst>
-                            <p:childTnLst>
-                              <p:par>
-                                <p:cTn id="13" presetID="1" presetClass="entr" presetSubtype="0" fill="hold" grpId="0" nodeType="clickEffect">
-                                  <p:stCondLst>
-                                    <p:cond delay="0"/>
-                                  </p:stCondLst>
-                                  <p:childTnLst>
-                                    <p:set>
-                                      <p:cBhvr>
-                                        <p:cTn id="14" dur="1" fill="hold">
-                                          <p:stCondLst>
-                                            <p:cond delay="0"/>
-                                          </p:stCondLst>
-                                        </p:cTn>
-                                        <p:tgtEl>
-                                          <p:spTgt spid="3">
-                                            <p:txEl>
-                                              <p:pRg st="3" end="3"/>
-                                            </p:txEl>
-                                          </p:spTgt>
-                                        </p:tgtEl>
-                                        <p:attrNameLst>
-                                          <p:attrName>style.visibility</p:attrName>
-                                        </p:attrNameLst>
-                                      </p:cBhvr>
-                                      <p:to>
-                                        <p:strVal val="visible"/>
-                                      </p:to>
-                                    </p:set>
-                                  </p:childTnLst>
-                                </p:cTn>
-                              </p:par>
-                            </p:childTnLst>
-                          </p:cTn>
-                        </p:par>
-                      </p:childTnLst>
-                    </p:cTn>
-                  </p:par>
-                  <p:par>
-                    <p:cTn id="15" fill="hold">
-                      <p:stCondLst>
-                        <p:cond delay="indefinite"/>
-                      </p:stCondLst>
-                      <p:childTnLst>
-                        <p:par>
-                          <p:cTn id="16" fill="hold">
-                            <p:stCondLst>
-                              <p:cond delay="0"/>
-                            </p:stCondLst>
-                            <p:childTnLst>
-                              <p:par>
-                                <p:cTn id="17" presetID="1" presetClass="entr" presetSubtype="0" fill="hold" grpId="0" nodeType="clickEffect">
-                                  <p:stCondLst>
-                                    <p:cond delay="0"/>
-                                  </p:stCondLst>
-                                  <p:childTnLst>
-                                    <p:set>
-                                      <p:cBhvr>
-                                        <p:cTn id="18" dur="1" fill="hold">
-                                          <p:stCondLst>
-                                            <p:cond delay="0"/>
-                                          </p:stCondLst>
-                                        </p:cTn>
-                                        <p:tgtEl>
-                                          <p:spTgt spid="3">
-                                            <p:txEl>
-                                              <p:pRg st="4" end="4"/>
                                             </p:txEl>
                                           </p:spTgt>
                                         </p:tgtEl>
